--- a/Week 4 (Sept. 29th)/{4.0} Iterative Sort Algorithms.pptx
+++ b/Week 4 (Sept. 29th)/{4.0} Iterative Sort Algorithms.pptx
@@ -222,7 +222,7 @@
           <a:p>
             <a:fld id="{73779F85-F7C2-4161-8C73-3DB60AFFF017}" type="datetimeFigureOut">
               <a:rPr lang="en-CA" smtClean="0"/>
-              <a:t>2025-09-22</a:t>
+              <a:t>2025-09-29</a:t>
             </a:fld>
             <a:endParaRPr lang="en-CA"/>
           </a:p>
@@ -933,7 +933,7 @@
           <a:p>
             <a:fld id="{1E4A8252-26A2-422C-8021-53F2FA7F3083}" type="datetimeFigureOut">
               <a:rPr lang="en-CA" smtClean="0"/>
-              <a:t>2025-09-22</a:t>
+              <a:t>2025-09-29</a:t>
             </a:fld>
             <a:endParaRPr lang="en-CA"/>
           </a:p>
@@ -1103,7 +1103,7 @@
           <a:p>
             <a:fld id="{1E4A8252-26A2-422C-8021-53F2FA7F3083}" type="datetimeFigureOut">
               <a:rPr lang="en-CA" smtClean="0"/>
-              <a:t>2025-09-22</a:t>
+              <a:t>2025-09-29</a:t>
             </a:fld>
             <a:endParaRPr lang="en-CA"/>
           </a:p>
@@ -1283,7 +1283,7 @@
           <a:p>
             <a:fld id="{1E4A8252-26A2-422C-8021-53F2FA7F3083}" type="datetimeFigureOut">
               <a:rPr lang="en-CA" smtClean="0"/>
-              <a:t>2025-09-22</a:t>
+              <a:t>2025-09-29</a:t>
             </a:fld>
             <a:endParaRPr lang="en-CA"/>
           </a:p>
@@ -1453,7 +1453,7 @@
           <a:p>
             <a:fld id="{1E4A8252-26A2-422C-8021-53F2FA7F3083}" type="datetimeFigureOut">
               <a:rPr lang="en-CA" smtClean="0"/>
-              <a:t>2025-09-22</a:t>
+              <a:t>2025-09-29</a:t>
             </a:fld>
             <a:endParaRPr lang="en-CA"/>
           </a:p>
@@ -1699,7 +1699,7 @@
           <a:p>
             <a:fld id="{1E4A8252-26A2-422C-8021-53F2FA7F3083}" type="datetimeFigureOut">
               <a:rPr lang="en-CA" smtClean="0"/>
-              <a:t>2025-09-22</a:t>
+              <a:t>2025-09-29</a:t>
             </a:fld>
             <a:endParaRPr lang="en-CA"/>
           </a:p>
@@ -1931,7 +1931,7 @@
           <a:p>
             <a:fld id="{1E4A8252-26A2-422C-8021-53F2FA7F3083}" type="datetimeFigureOut">
               <a:rPr lang="en-CA" smtClean="0"/>
-              <a:t>2025-09-22</a:t>
+              <a:t>2025-09-29</a:t>
             </a:fld>
             <a:endParaRPr lang="en-CA"/>
           </a:p>
@@ -2298,7 +2298,7 @@
           <a:p>
             <a:fld id="{1E4A8252-26A2-422C-8021-53F2FA7F3083}" type="datetimeFigureOut">
               <a:rPr lang="en-CA" smtClean="0"/>
-              <a:t>2025-09-22</a:t>
+              <a:t>2025-09-29</a:t>
             </a:fld>
             <a:endParaRPr lang="en-CA"/>
           </a:p>
@@ -2416,7 +2416,7 @@
           <a:p>
             <a:fld id="{1E4A8252-26A2-422C-8021-53F2FA7F3083}" type="datetimeFigureOut">
               <a:rPr lang="en-CA" smtClean="0"/>
-              <a:t>2025-09-22</a:t>
+              <a:t>2025-09-29</a:t>
             </a:fld>
             <a:endParaRPr lang="en-CA"/>
           </a:p>
@@ -2511,7 +2511,7 @@
           <a:p>
             <a:fld id="{1E4A8252-26A2-422C-8021-53F2FA7F3083}" type="datetimeFigureOut">
               <a:rPr lang="en-CA" smtClean="0"/>
-              <a:t>2025-09-22</a:t>
+              <a:t>2025-09-29</a:t>
             </a:fld>
             <a:endParaRPr lang="en-CA"/>
           </a:p>
@@ -2788,7 +2788,7 @@
           <a:p>
             <a:fld id="{1E4A8252-26A2-422C-8021-53F2FA7F3083}" type="datetimeFigureOut">
               <a:rPr lang="en-CA" smtClean="0"/>
-              <a:t>2025-09-22</a:t>
+              <a:t>2025-09-29</a:t>
             </a:fld>
             <a:endParaRPr lang="en-CA"/>
           </a:p>
@@ -3041,7 +3041,7 @@
           <a:p>
             <a:fld id="{1E4A8252-26A2-422C-8021-53F2FA7F3083}" type="datetimeFigureOut">
               <a:rPr lang="en-CA" smtClean="0"/>
-              <a:t>2025-09-22</a:t>
+              <a:t>2025-09-29</a:t>
             </a:fld>
             <a:endParaRPr lang="en-CA"/>
           </a:p>
@@ -3263,7 +3263,7 @@
           <a:p>
             <a:fld id="{1E4A8252-26A2-422C-8021-53F2FA7F3083}" type="datetimeFigureOut">
               <a:rPr lang="en-CA" smtClean="0"/>
-              <a:t>2025-09-22</a:t>
+              <a:t>2025-09-29</a:t>
             </a:fld>
             <a:endParaRPr lang="en-CA"/>
           </a:p>
@@ -4718,6 +4718,23 @@
               <a:defRPr/>
             </a:pPr>
             <a:r>
+              <a:rPr kumimoji="0" lang="en-CA" sz="2200" b="1" i="0" u="none" strike="noStrike" kern="1200" cap="none" spc="0" normalizeH="0" baseline="0" noProof="0" dirty="0">
+                <a:ln>
+                  <a:noFill/>
+                </a:ln>
+                <a:solidFill>
+                  <a:srgbClr val="000000"/>
+                </a:solidFill>
+                <a:effectLst/>
+                <a:uLnTx/>
+                <a:uFillTx/>
+                <a:latin typeface="Tahoma" pitchFamily="34" charset="0"/>
+                <a:ea typeface="+mn-ea"/>
+                <a:cs typeface="+mn-cs"/>
+              </a:rPr>
+              <a:t>O(1) </a:t>
+            </a:r>
+            <a:r>
               <a:rPr kumimoji="0" lang="en-CA" sz="2200" b="0" i="0" u="none" strike="noStrike" kern="1200" cap="none" spc="0" normalizeH="0" baseline="0" noProof="0" dirty="0">
                 <a:ln>
                   <a:noFill/>
@@ -4732,7 +4749,7 @@
                 <a:ea typeface="+mn-ea"/>
                 <a:cs typeface="+mn-cs"/>
               </a:rPr>
-              <a:t>O(1) means an operation is done once</a:t>
+              <a:t>means an operation is done once</a:t>
             </a:r>
           </a:p>
           <a:p>
@@ -4754,6 +4771,23 @@
               <a:defRPr/>
             </a:pPr>
             <a:r>
+              <a:rPr kumimoji="0" lang="en-CA" sz="2200" b="1" i="0" u="none" strike="noStrike" kern="1200" cap="none" spc="0" normalizeH="0" baseline="0" noProof="0" dirty="0">
+                <a:ln>
+                  <a:noFill/>
+                </a:ln>
+                <a:solidFill>
+                  <a:srgbClr val="000000"/>
+                </a:solidFill>
+                <a:effectLst/>
+                <a:uLnTx/>
+                <a:uFillTx/>
+                <a:latin typeface="Tahoma" pitchFamily="34" charset="0"/>
+                <a:ea typeface="+mn-ea"/>
+                <a:cs typeface="+mn-cs"/>
+              </a:rPr>
+              <a:t>O(log n) </a:t>
+            </a:r>
+            <a:r>
               <a:rPr kumimoji="0" lang="en-CA" sz="2200" b="0" i="0" u="none" strike="noStrike" kern="1200" cap="none" spc="0" normalizeH="0" baseline="0" noProof="0" dirty="0">
                 <a:ln>
                   <a:noFill/>
@@ -4768,7 +4802,7 @@
                 <a:ea typeface="+mn-ea"/>
                 <a:cs typeface="+mn-cs"/>
               </a:rPr>
-              <a:t>O(log n) means an operation is done less than n times</a:t>
+              <a:t>means an operation is done less than n times</a:t>
             </a:r>
           </a:p>
           <a:p>
@@ -4826,6 +4860,23 @@
               <a:defRPr/>
             </a:pPr>
             <a:r>
+              <a:rPr kumimoji="0" lang="en-CA" sz="2200" b="1" i="0" u="none" strike="noStrike" kern="1200" cap="none" spc="0" normalizeH="0" baseline="0" noProof="0" dirty="0">
+                <a:ln>
+                  <a:noFill/>
+                </a:ln>
+                <a:solidFill>
+                  <a:srgbClr val="000000"/>
+                </a:solidFill>
+                <a:effectLst/>
+                <a:uLnTx/>
+                <a:uFillTx/>
+                <a:latin typeface="Tahoma" pitchFamily="34" charset="0"/>
+                <a:ea typeface="+mn-ea"/>
+                <a:cs typeface="+mn-cs"/>
+              </a:rPr>
+              <a:t>O(n) </a:t>
+            </a:r>
+            <a:r>
               <a:rPr kumimoji="0" lang="en-CA" sz="2200" b="0" i="0" u="none" strike="noStrike" kern="1200" cap="none" spc="0" normalizeH="0" baseline="0" noProof="0" dirty="0">
                 <a:ln>
                   <a:noFill/>
@@ -4840,7 +4891,7 @@
                 <a:ea typeface="+mn-ea"/>
                 <a:cs typeface="+mn-cs"/>
               </a:rPr>
-              <a:t>O(n) means an operation is done n times </a:t>
+              <a:t>means an operation is done n times </a:t>
             </a:r>
           </a:p>
           <a:p>
@@ -4862,6 +4913,23 @@
               <a:defRPr/>
             </a:pPr>
             <a:r>
+              <a:rPr kumimoji="0" lang="en-CA" sz="2200" b="1" i="0" u="none" strike="noStrike" kern="1200" cap="none" spc="0" normalizeH="0" baseline="0" noProof="0" dirty="0">
+                <a:ln>
+                  <a:noFill/>
+                </a:ln>
+                <a:solidFill>
+                  <a:srgbClr val="000000"/>
+                </a:solidFill>
+                <a:effectLst/>
+                <a:uLnTx/>
+                <a:uFillTx/>
+                <a:latin typeface="Tahoma" pitchFamily="34" charset="0"/>
+                <a:ea typeface="+mn-ea"/>
+                <a:cs typeface="+mn-cs"/>
+              </a:rPr>
+              <a:t>O(n log n) </a:t>
+            </a:r>
+            <a:r>
               <a:rPr kumimoji="0" lang="en-CA" sz="2200" b="0" i="0" u="none" strike="noStrike" kern="1200" cap="none" spc="0" normalizeH="0" baseline="0" noProof="0" dirty="0">
                 <a:ln>
                   <a:noFill/>
@@ -4876,7 +4944,7 @@
                 <a:ea typeface="+mn-ea"/>
                 <a:cs typeface="+mn-cs"/>
               </a:rPr>
-              <a:t>O(n log n) means an operation is done less than n times</a:t>
+              <a:t>means an operation is done less than n times</a:t>
             </a:r>
           </a:p>
           <a:p>
